--- a/assets/tidslinje.pptx
+++ b/assets/tidslinje.pptx
@@ -5331,7 +5331,12 @@
             <p:ph type="body" sz="quarter" idx="14"/>
           </p:nvPr>
         </p:nvSpPr>
-        <p:spPr/>
+        <p:spPr>
+          <a:xfrm>
+            <a:off x="439643" y="4595454"/>
+            <a:ext cx="2158999" cy="601662"/>
+          </a:xfrm>
+        </p:spPr>
         <p:txBody>
           <a:bodyPr vert="horz" lIns="91440" tIns="45720" rIns="91440" bIns="45720" rtlCol="0" anchor="t">
             <a:noAutofit/>
@@ -5339,11 +5344,11 @@
           <a:lstStyle/>
           <a:p>
             <a:r>
-              <a:rPr lang="sv-SE" dirty="0"/>
+              <a:rPr lang="sv-SE" sz="1800" dirty="0"/>
               <a:t>Ransundet grundas av </a:t>
             </a:r>
             <a:r>
-              <a:rPr lang="sv-SE" dirty="0">
+              <a:rPr lang="sv-SE" sz="1800" dirty="0">
                 <a:ea typeface="+mn-lt"/>
                 <a:cs typeface="+mn-lt"/>
               </a:rPr>
@@ -5371,7 +5376,12 @@
             <p:ph type="body" sz="quarter" idx="15"/>
           </p:nvPr>
         </p:nvSpPr>
-        <p:spPr/>
+        <p:spPr>
+          <a:xfrm>
+            <a:off x="3580137" y="4595454"/>
+            <a:ext cx="1983726" cy="601662"/>
+          </a:xfrm>
+        </p:spPr>
         <p:txBody>
           <a:bodyPr vert="horz" lIns="91440" tIns="45720" rIns="91440" bIns="45720" rtlCol="0" anchor="t">
             <a:noAutofit/>
@@ -5379,7 +5389,7 @@
           <a:lstStyle/>
           <a:p>
             <a:r>
-              <a:rPr lang="sv-SE" dirty="0"/>
+              <a:rPr lang="sv-SE" sz="1800" dirty="0"/>
               <a:t>Väg bryts till byn och blir därmed mer tillgänglig.</a:t>
             </a:r>
           </a:p>
@@ -5404,13 +5414,18 @@
             <p:ph type="body" sz="quarter" idx="16"/>
           </p:nvPr>
         </p:nvSpPr>
-        <p:spPr/>
+        <p:spPr>
+          <a:xfrm>
+            <a:off x="6093571" y="4592819"/>
+            <a:ext cx="3047999" cy="601662"/>
+          </a:xfrm>
+        </p:spPr>
         <p:txBody>
           <a:bodyPr/>
           <a:lstStyle/>
           <a:p>
             <a:r>
-              <a:rPr lang="sv-SE" sz="1100" dirty="0"/>
+              <a:rPr lang="sv-SE" sz="1800" dirty="0"/>
               <a:t>Ransundets vilthägn invigs, som lockar många turister under de kommande decennierna.</a:t>
             </a:r>
           </a:p>
@@ -5435,13 +5450,18 @@
             <p:ph type="body" sz="quarter" idx="17"/>
           </p:nvPr>
         </p:nvSpPr>
-        <p:spPr/>
+        <p:spPr>
+          <a:xfrm>
+            <a:off x="9676135" y="4592819"/>
+            <a:ext cx="1983726" cy="601662"/>
+          </a:xfrm>
+        </p:spPr>
         <p:txBody>
           <a:bodyPr/>
           <a:lstStyle/>
           <a:p>
             <a:r>
-              <a:rPr lang="sv-SE" dirty="0"/>
+              <a:rPr lang="sv-SE" sz="1800" dirty="0"/>
               <a:t>Gatubelysning sätts upp i byn.</a:t>
             </a:r>
           </a:p>
@@ -5471,10 +5491,10 @@
           <a:lstStyle/>
           <a:p>
             <a:r>
-              <a:rPr lang="en-US" dirty="0"/>
+              <a:rPr lang="en-US" sz="3200" dirty="0"/>
               <a:t>1825</a:t>
             </a:r>
-            <a:endParaRPr lang="en-US" b="1" dirty="0">
+            <a:endParaRPr lang="en-US" sz="3200" b="1" dirty="0">
               <a:latin typeface="+mj-lt"/>
             </a:endParaRPr>
           </a:p>
@@ -5507,10 +5527,10 @@
           <a:lstStyle/>
           <a:p>
             <a:r>
-              <a:rPr lang="en-US" dirty="0"/>
+              <a:rPr lang="en-US" sz="3200" dirty="0"/>
               <a:t>1936</a:t>
             </a:r>
-            <a:endParaRPr lang="en-US" b="1" dirty="0">
+            <a:endParaRPr lang="en-US" sz="3200" b="1" dirty="0">
               <a:latin typeface="+mj-lt"/>
             </a:endParaRPr>
           </a:p>
@@ -5543,7 +5563,7 @@
           <a:lstStyle/>
           <a:p>
             <a:r>
-              <a:rPr lang="en-US" dirty="0"/>
+              <a:rPr lang="en-US" sz="3200" dirty="0"/>
               <a:t>1971</a:t>
             </a:r>
           </a:p>
@@ -5573,7 +5593,7 @@
           <a:lstStyle/>
           <a:p>
             <a:r>
-              <a:rPr lang="en-US" dirty="0"/>
+              <a:rPr lang="en-US" sz="3200" dirty="0"/>
               <a:t>2003</a:t>
             </a:r>
           </a:p>
@@ -6404,24 +6424,6 @@
 </file>
 
 <file path=customXml/item1.xml><?xml version="1.0" encoding="utf-8"?>
-<p:properties xmlns:p="http://schemas.microsoft.com/office/2006/metadata/properties" xmlns:xsi="http://www.w3.org/2001/XMLSchema-instance" xmlns:pc="http://schemas.microsoft.com/office/infopath/2007/PartnerControls">
-  <documentManagement>
-    <Status xmlns="71af3243-3dd4-4a8d-8c0d-dd76da1f02a5">Not started</Status>
-    <MediaServiceKeyPoints xmlns="71af3243-3dd4-4a8d-8c0d-dd76da1f02a5" xsi:nil="true"/>
-  </documentManagement>
-</p:properties>
-</file>
-
-<file path=customXml/item2.xml><?xml version="1.0" encoding="utf-8"?>
-<?mso-contentType ?>
-<FormTemplates xmlns="http://schemas.microsoft.com/sharepoint/v3/contenttype/forms">
-  <Display>DocumentLibraryForm</Display>
-  <Edit>DocumentLibraryForm</Edit>
-  <New>DocumentLibraryForm</New>
-</FormTemplates>
-</file>
-
-<file path=customXml/item3.xml><?xml version="1.0" encoding="utf-8"?>
 <ct:contentTypeSchema xmlns:ct="http://schemas.microsoft.com/office/2006/metadata/contentType" xmlns:ma="http://schemas.microsoft.com/office/2006/metadata/properties/metaAttributes" ct:_="" ma:_="" ma:contentTypeName="Document" ma:contentTypeID="0x01010079F111ED35F8CC479449609E8A0923A6" ma:contentTypeVersion="12" ma:contentTypeDescription="Create a new document." ma:contentTypeScope="" ma:versionID="426e97fa315356fffbdcd9876fe988c2">
   <xsd:schema xmlns:xsd="http://www.w3.org/2001/XMLSchema" xmlns:xs="http://www.w3.org/2001/XMLSchema" xmlns:p="http://schemas.microsoft.com/office/2006/metadata/properties" xmlns:ns2="71af3243-3dd4-4a8d-8c0d-dd76da1f02a5" xmlns:ns3="16c05727-aa75-4e4a-9b5f-8a80a1165891" targetNamespace="http://schemas.microsoft.com/office/2006/metadata/properties" ma:root="true" ma:fieldsID="14b8f0def80e6d70ce3def20c90759ae" ns2:_="" ns3:_="">
     <xsd:import namespace="71af3243-3dd4-4a8d-8c0d-dd76da1f02a5"/>
@@ -6642,25 +6644,25 @@
 </ct:contentTypeSchema>
 </file>
 
-<file path=customXml/itemProps1.xml><?xml version="1.0" encoding="utf-8"?>
-<ds:datastoreItem xmlns:ds="http://schemas.openxmlformats.org/officeDocument/2006/customXml" ds:itemID="{99049FB4-E04C-4A47-A7EB-D9A7EE3720B6}">
-  <ds:schemaRefs>
-    <ds:schemaRef ds:uri="http://schemas.microsoft.com/office/2006/metadata/properties"/>
-    <ds:schemaRef ds:uri="http://schemas.microsoft.com/office/infopath/2007/PartnerControls"/>
-    <ds:schemaRef ds:uri="71af3243-3dd4-4a8d-8c0d-dd76da1f02a5"/>
-  </ds:schemaRefs>
-</ds:datastoreItem>
+<file path=customXml/item2.xml><?xml version="1.0" encoding="utf-8"?>
+<?mso-contentType ?>
+<FormTemplates xmlns="http://schemas.microsoft.com/sharepoint/v3/contenttype/forms">
+  <Display>DocumentLibraryForm</Display>
+  <Edit>DocumentLibraryForm</Edit>
+  <New>DocumentLibraryForm</New>
+</FormTemplates>
 </file>
 
-<file path=customXml/itemProps2.xml><?xml version="1.0" encoding="utf-8"?>
-<ds:datastoreItem xmlns:ds="http://schemas.openxmlformats.org/officeDocument/2006/customXml" ds:itemID="{F099EBB6-D1EF-4345-A0D5-56C8432B26EA}">
-  <ds:schemaRefs>
-    <ds:schemaRef ds:uri="http://schemas.microsoft.com/sharepoint/v3/contenttype/forms"/>
-  </ds:schemaRefs>
-</ds:datastoreItem>
+<file path=customXml/item3.xml><?xml version="1.0" encoding="utf-8"?>
+<p:properties xmlns:p="http://schemas.microsoft.com/office/2006/metadata/properties" xmlns:xsi="http://www.w3.org/2001/XMLSchema-instance" xmlns:pc="http://schemas.microsoft.com/office/infopath/2007/PartnerControls">
+  <documentManagement>
+    <Status xmlns="71af3243-3dd4-4a8d-8c0d-dd76da1f02a5">Not started</Status>
+    <MediaServiceKeyPoints xmlns="71af3243-3dd4-4a8d-8c0d-dd76da1f02a5" xsi:nil="true"/>
+  </documentManagement>
+</p:properties>
 </file>
 
-<file path=customXml/itemProps3.xml><?xml version="1.0" encoding="utf-8"?>
+<file path=customXml/itemProps1.xml><?xml version="1.0" encoding="utf-8"?>
 <ds:datastoreItem xmlns:ds="http://schemas.openxmlformats.org/officeDocument/2006/customXml" ds:itemID="{AE7F63A3-93DF-4331-8C04-BB726C702AF2}">
   <ds:schemaRefs>
     <ds:schemaRef ds:uri="http://schemas.microsoft.com/office/2006/metadata/contentType"/>
@@ -6677,4 +6679,22 @@
     <ds:schemaRef ds:uri="http://schemas.microsoft.com/internal/obd"/>
   </ds:schemaRefs>
 </ds:datastoreItem>
+</file>
+
+<file path=customXml/itemProps2.xml><?xml version="1.0" encoding="utf-8"?>
+<ds:datastoreItem xmlns:ds="http://schemas.openxmlformats.org/officeDocument/2006/customXml" ds:itemID="{F099EBB6-D1EF-4345-A0D5-56C8432B26EA}">
+  <ds:schemaRefs>
+    <ds:schemaRef ds:uri="http://schemas.microsoft.com/sharepoint/v3/contenttype/forms"/>
+  </ds:schemaRefs>
+</ds:datastoreItem>
+</file>
+
+<file path=customXml/itemProps3.xml><?xml version="1.0" encoding="utf-8"?>
+<ds:datastoreItem xmlns:ds="http://schemas.openxmlformats.org/officeDocument/2006/customXml" ds:itemID="{99049FB4-E04C-4A47-A7EB-D9A7EE3720B6}">
+  <ds:schemaRefs>
+    <ds:schemaRef ds:uri="http://schemas.microsoft.com/office/2006/metadata/properties"/>
+    <ds:schemaRef ds:uri="http://schemas.microsoft.com/office/infopath/2007/PartnerControls"/>
+    <ds:schemaRef ds:uri="71af3243-3dd4-4a8d-8c0d-dd76da1f02a5"/>
+  </ds:schemaRefs>
+</ds:datastoreItem>
 </file>
--- a/assets/tidslinje.pptx
+++ b/assets/tidslinje.pptx
@@ -234,7 +234,7 @@
           <a:p>
             <a:fld id="{48DC8938-83D5-4D91-922D-1735B846DE2C}" type="datetimeFigureOut">
               <a:rPr lang="en-US" smtClean="0"/>
-              <a:t>3/28/21</a:t>
+              <a:t>3/31/21</a:t>
             </a:fld>
             <a:endParaRPr lang="en-US" dirty="0"/>
           </a:p>
@@ -411,7 +411,7 @@
           <a:p>
             <a:fld id="{258D9086-AAB8-42A9-92C9-EA9C8F7F2814}" type="datetimeFigureOut">
               <a:rPr lang="en-US" smtClean="0"/>
-              <a:t>3/28/21</a:t>
+              <a:t>3/31/21</a:t>
             </a:fld>
             <a:endParaRPr lang="en-US" dirty="0"/>
           </a:p>
@@ -4242,7 +4242,7 @@
           <a:p>
             <a:fld id="{B78FDAD0-21E9-42D0-8C63-C6563197FC13}" type="datetimeFigureOut">
               <a:rPr lang="en-US" smtClean="0"/>
-              <a:t>3/28/21</a:t>
+              <a:t>3/31/21</a:t>
             </a:fld>
             <a:endParaRPr lang="en-US" dirty="0"/>
           </a:p>
@@ -4676,7 +4676,7 @@
         </p:nvSpPr>
         <p:spPr>
           <a:xfrm>
-            <a:off x="7199519" y="2688324"/>
+            <a:off x="5403887" y="2671849"/>
             <a:ext cx="840963" cy="840963"/>
           </a:xfrm>
           <a:prstGeom prst="ellipse">
@@ -4739,17 +4739,19 @@
         </p:nvSpPr>
         <p:spPr>
           <a:xfrm>
-            <a:off x="10247518" y="2688324"/>
+            <a:off x="10628689" y="2674484"/>
             <a:ext cx="840963" cy="840963"/>
           </a:xfrm>
           <a:prstGeom prst="ellipse">
             <a:avLst/>
           </a:prstGeom>
           <a:solidFill>
-            <a:srgbClr val="FFC000"/>
+            <a:srgbClr val="FFFF00"/>
           </a:solidFill>
           <a:ln>
-            <a:noFill/>
+            <a:solidFill>
+              <a:srgbClr val="FFFF00"/>
+            </a:solidFill>
           </a:ln>
         </p:spPr>
         <p:style>
@@ -4794,7 +4796,7 @@
         </p:nvSpPr>
         <p:spPr>
           <a:xfrm>
-            <a:off x="4151519" y="2688324"/>
+            <a:off x="2874806" y="2683335"/>
             <a:ext cx="840963" cy="840963"/>
           </a:xfrm>
           <a:prstGeom prst="ellipse">
@@ -4853,7 +4855,7 @@
         </p:nvSpPr>
         <p:spPr>
           <a:xfrm>
-            <a:off x="1098662" y="2688324"/>
+            <a:off x="650992" y="2671849"/>
             <a:ext cx="840963" cy="840963"/>
           </a:xfrm>
           <a:prstGeom prst="ellipse">
@@ -4905,15 +4907,13 @@
           </p:cNvPr>
           <p:cNvCxnSpPr>
             <a:cxnSpLocks/>
-            <a:stCxn id="52" idx="6"/>
-            <a:endCxn id="17" idx="2"/>
           </p:cNvCxnSpPr>
           <p:nvPr/>
         </p:nvCxnSpPr>
         <p:spPr>
           <a:xfrm flipH="1">
-            <a:off x="1434661" y="3832555"/>
-            <a:ext cx="9317820" cy="0"/>
+            <a:off x="439643" y="3832555"/>
+            <a:ext cx="11220218" cy="0"/>
           </a:xfrm>
           <a:prstGeom prst="line">
             <a:avLst/>
@@ -4953,7 +4953,7 @@
         </p:nvSpPr>
         <p:spPr>
           <a:xfrm>
-            <a:off x="1434661" y="3748073"/>
+            <a:off x="986991" y="3731598"/>
             <a:ext cx="168964" cy="168964"/>
           </a:xfrm>
           <a:prstGeom prst="ellipse">
@@ -5013,7 +5013,7 @@
         </p:nvSpPr>
         <p:spPr>
           <a:xfrm>
-            <a:off x="4487518" y="3748073"/>
+            <a:off x="3210805" y="3743084"/>
             <a:ext cx="168964" cy="168964"/>
           </a:xfrm>
           <a:prstGeom prst="ellipse">
@@ -5073,7 +5073,7 @@
         </p:nvSpPr>
         <p:spPr>
           <a:xfrm>
-            <a:off x="7535518" y="3748073"/>
+            <a:off x="5739886" y="3731598"/>
             <a:ext cx="168964" cy="168964"/>
           </a:xfrm>
           <a:prstGeom prst="ellipse">
@@ -5133,7 +5133,7 @@
         </p:nvSpPr>
         <p:spPr>
           <a:xfrm>
-            <a:off x="10583517" y="3748073"/>
+            <a:off x="10964688" y="3734233"/>
             <a:ext cx="168964" cy="168964"/>
           </a:xfrm>
           <a:prstGeom prst="ellipse">
@@ -5208,7 +5208,7 @@
         </p:blipFill>
         <p:spPr>
           <a:xfrm>
-            <a:off x="1361591" y="2617147"/>
+            <a:off x="913921" y="2600672"/>
             <a:ext cx="887413" cy="887413"/>
           </a:xfrm>
         </p:spPr>
@@ -5242,7 +5242,7 @@
         </p:blipFill>
         <p:spPr>
           <a:xfrm>
-            <a:off x="4420929" y="2617147"/>
+            <a:off x="3144216" y="2612158"/>
             <a:ext cx="887413" cy="887413"/>
           </a:xfrm>
         </p:spPr>
@@ -5276,7 +5276,7 @@
         </p:blipFill>
         <p:spPr>
           <a:xfrm>
-            <a:off x="7407299" y="2617147"/>
+            <a:off x="5611667" y="2600672"/>
             <a:ext cx="887413" cy="887413"/>
           </a:xfrm>
         </p:spPr>
@@ -5310,7 +5310,7 @@
         </p:blipFill>
         <p:spPr>
           <a:xfrm>
-            <a:off x="10456949" y="2617147"/>
+            <a:off x="10838120" y="2603307"/>
             <a:ext cx="887413" cy="887413"/>
           </a:xfrm>
         </p:spPr>
@@ -5333,7 +5333,7 @@
         </p:nvSpPr>
         <p:spPr>
           <a:xfrm>
-            <a:off x="439643" y="4595454"/>
+            <a:off x="-8027" y="4578979"/>
             <a:ext cx="2158999" cy="601662"/>
           </a:xfrm>
         </p:spPr>
@@ -5378,7 +5378,7 @@
         </p:nvSpPr>
         <p:spPr>
           <a:xfrm>
-            <a:off x="3580137" y="4595454"/>
+            <a:off x="2303424" y="4590465"/>
             <a:ext cx="1983726" cy="601662"/>
           </a:xfrm>
         </p:spPr>
@@ -5416,8 +5416,8 @@
         </p:nvSpPr>
         <p:spPr>
           <a:xfrm>
-            <a:off x="6093571" y="4592819"/>
-            <a:ext cx="3047999" cy="601662"/>
+            <a:off x="4441270" y="4576344"/>
+            <a:ext cx="2585943" cy="601662"/>
           </a:xfrm>
         </p:spPr>
         <p:txBody>
@@ -5426,10 +5426,8 @@
           <a:p>
             <a:r>
               <a:rPr lang="sv-SE" sz="1800" dirty="0"/>
-              <a:t>Ransundets vilthägn invigs, som lockar många turister under de kommande decennierna.</a:t>
-            </a:r>
-          </a:p>
-          <a:p>
+              <a:t>Ransundets vilthägn invigs, som ska komma att locka många turister till byn.</a:t>
+            </a:r>
             <a:endParaRPr lang="en-US" dirty="0"/>
           </a:p>
         </p:txBody>
@@ -5452,7 +5450,7 @@
         </p:nvSpPr>
         <p:spPr>
           <a:xfrm>
-            <a:off x="9676135" y="4592819"/>
+            <a:off x="10057306" y="4578979"/>
             <a:ext cx="1983726" cy="601662"/>
           </a:xfrm>
         </p:spPr>
@@ -5483,7 +5481,12 @@
             <p:ph type="body" sz="quarter" idx="18"/>
           </p:nvPr>
         </p:nvSpPr>
-        <p:spPr/>
+        <p:spPr>
+          <a:xfrm>
+            <a:off x="-214213" y="4003041"/>
+            <a:ext cx="2585943" cy="369311"/>
+          </a:xfrm>
+        </p:spPr>
         <p:txBody>
           <a:bodyPr vert="horz" lIns="91440" tIns="45720" rIns="91440" bIns="45720" rtlCol="0" anchor="t">
             <a:noAutofit/>
@@ -5519,7 +5522,12 @@
             <p:ph type="body" sz="quarter" idx="19"/>
           </p:nvPr>
         </p:nvSpPr>
-        <p:spPr/>
+        <p:spPr>
+          <a:xfrm>
+            <a:off x="2004744" y="4014527"/>
+            <a:ext cx="2585943" cy="369311"/>
+          </a:xfrm>
+        </p:spPr>
         <p:txBody>
           <a:bodyPr vert="horz" lIns="91440" tIns="45720" rIns="91440" bIns="45720" rtlCol="0" anchor="t">
             <a:noAutofit/>
@@ -5555,7 +5563,12 @@
             <p:ph type="body" sz="quarter" idx="20"/>
           </p:nvPr>
         </p:nvSpPr>
-        <p:spPr/>
+        <p:spPr>
+          <a:xfrm>
+            <a:off x="4530512" y="4003041"/>
+            <a:ext cx="2585943" cy="369311"/>
+          </a:xfrm>
+        </p:spPr>
         <p:txBody>
           <a:bodyPr vert="horz" lIns="91440" tIns="45720" rIns="91440" bIns="45720" rtlCol="0" anchor="t">
             <a:noAutofit/>
@@ -5585,7 +5598,12 @@
             <p:ph type="body" sz="quarter" idx="21"/>
           </p:nvPr>
         </p:nvSpPr>
-        <p:spPr/>
+        <p:spPr>
+          <a:xfrm>
+            <a:off x="9755315" y="4005676"/>
+            <a:ext cx="2585943" cy="369311"/>
+          </a:xfrm>
+        </p:spPr>
         <p:txBody>
           <a:bodyPr vert="horz" lIns="91440" tIns="45720" rIns="91440" bIns="45720" rtlCol="0" anchor="t">
             <a:noAutofit/>
@@ -5595,6 +5613,561 @@
             <a:r>
               <a:rPr lang="en-US" sz="3200" dirty="0"/>
               <a:t>2003</a:t>
+            </a:r>
+          </a:p>
+        </p:txBody>
+      </p:sp>
+      <p:sp>
+        <p:nvSpPr>
+          <p:cNvPr id="24" name="Oval 23">
+            <a:extLst>
+              <a:ext uri="{FF2B5EF4-FFF2-40B4-BE49-F238E27FC236}">
+                <a16:creationId xmlns:a16="http://schemas.microsoft.com/office/drawing/2014/main" id="{CA70E3FB-0DF4-C24E-A57C-7D87BFC9E412}"/>
+              </a:ext>
+              <a:ext uri="{C183D7F6-B498-43B3-948B-1728B52AA6E4}">
+                <adec:decorative xmlns:adec="http://schemas.microsoft.com/office/drawing/2017/decorative" val="1"/>
+              </a:ext>
+            </a:extLst>
+          </p:cNvPr>
+          <p:cNvSpPr/>
+          <p:nvPr/>
+        </p:nvSpPr>
+        <p:spPr>
+          <a:xfrm>
+            <a:off x="8161239" y="2671849"/>
+            <a:ext cx="840963" cy="840963"/>
+          </a:xfrm>
+          <a:prstGeom prst="ellipse">
+            <a:avLst/>
+          </a:prstGeom>
+          <a:solidFill>
+            <a:srgbClr val="FFC000">
+              <a:alpha val="85000"/>
+            </a:srgbClr>
+          </a:solidFill>
+          <a:ln>
+            <a:noFill/>
+          </a:ln>
+        </p:spPr>
+        <p:style>
+          <a:lnRef idx="2">
+            <a:schemeClr val="accent1">
+              <a:shade val="50000"/>
+            </a:schemeClr>
+          </a:lnRef>
+          <a:fillRef idx="1">
+            <a:schemeClr val="accent1"/>
+          </a:fillRef>
+          <a:effectRef idx="0">
+            <a:schemeClr val="accent1"/>
+          </a:effectRef>
+          <a:fontRef idx="minor">
+            <a:schemeClr val="lt1"/>
+          </a:fontRef>
+        </p:style>
+        <p:txBody>
+          <a:bodyPr rtlCol="0" anchor="ctr"/>
+          <a:lstStyle/>
+          <a:p>
+            <a:pPr algn="ctr"/>
+            <a:endParaRPr lang="en-US" dirty="0">
+              <a:solidFill>
+                <a:schemeClr val="accent2"/>
+              </a:solidFill>
+            </a:endParaRPr>
+          </a:p>
+        </p:txBody>
+      </p:sp>
+      <p:sp>
+        <p:nvSpPr>
+          <p:cNvPr id="25" name="Oval 24" descr="timeline markers">
+            <a:extLst>
+              <a:ext uri="{FF2B5EF4-FFF2-40B4-BE49-F238E27FC236}">
+                <a16:creationId xmlns:a16="http://schemas.microsoft.com/office/drawing/2014/main" id="{101498BA-53E3-9B4C-A8E0-3992BA57C37C}"/>
+              </a:ext>
+            </a:extLst>
+          </p:cNvPr>
+          <p:cNvSpPr/>
+          <p:nvPr/>
+        </p:nvSpPr>
+        <p:spPr>
+          <a:xfrm>
+            <a:off x="8497238" y="3731598"/>
+            <a:ext cx="168964" cy="168964"/>
+          </a:xfrm>
+          <a:prstGeom prst="ellipse">
+            <a:avLst/>
+          </a:prstGeom>
+          <a:solidFill>
+            <a:schemeClr val="bg1"/>
+          </a:solidFill>
+          <a:ln w="19050">
+            <a:solidFill>
+              <a:schemeClr val="tx1"/>
+            </a:solidFill>
+          </a:ln>
+        </p:spPr>
+        <p:style>
+          <a:lnRef idx="2">
+            <a:schemeClr val="accent1">
+              <a:shade val="50000"/>
+            </a:schemeClr>
+          </a:lnRef>
+          <a:fillRef idx="1">
+            <a:schemeClr val="accent1"/>
+          </a:fillRef>
+          <a:effectRef idx="0">
+            <a:schemeClr val="accent1"/>
+          </a:effectRef>
+          <a:fontRef idx="minor">
+            <a:schemeClr val="lt1"/>
+          </a:fontRef>
+        </p:style>
+        <p:txBody>
+          <a:bodyPr rtlCol="0" anchor="ctr"/>
+          <a:lstStyle/>
+          <a:p>
+            <a:pPr algn="ctr"/>
+            <a:endParaRPr lang="en-US" dirty="0">
+              <a:ln>
+                <a:solidFill>
+                  <a:srgbClr val="000000"/>
+                </a:solidFill>
+              </a:ln>
+            </a:endParaRPr>
+          </a:p>
+        </p:txBody>
+      </p:sp>
+      <p:pic>
+        <p:nvPicPr>
+          <p:cNvPr id="26" name="Picture Placeholder 49" descr="Lights On outline">
+            <a:extLst>
+              <a:ext uri="{FF2B5EF4-FFF2-40B4-BE49-F238E27FC236}">
+                <a16:creationId xmlns:a16="http://schemas.microsoft.com/office/drawing/2014/main" id="{0CADF1B4-CD04-564D-A38A-424FAB9C48DB}"/>
+              </a:ext>
+            </a:extLst>
+          </p:cNvPr>
+          <p:cNvPicPr>
+            <a:picLocks noChangeAspect="1"/>
+          </p:cNvPicPr>
+          <p:nvPr/>
+        </p:nvPicPr>
+        <p:blipFill>
+          <a:blip r:embed="rId10">
+            <a:extLst>
+              <a:ext uri="{96DAC541-7B7A-43D3-8B79-37D633B846F1}">
+                <asvg:svgBlip xmlns:asvg="http://schemas.microsoft.com/office/drawing/2016/SVG/main" r:embed="rId11"/>
+              </a:ext>
+            </a:extLst>
+          </a:blip>
+          <a:srcRect/>
+          <a:stretch/>
+        </p:blipFill>
+        <p:spPr>
+          <a:xfrm>
+            <a:off x="8369019" y="2600672"/>
+            <a:ext cx="887413" cy="887413"/>
+          </a:xfrm>
+          <a:prstGeom prst="rect">
+            <a:avLst/>
+          </a:prstGeom>
+        </p:spPr>
+      </p:pic>
+      <p:sp>
+        <p:nvSpPr>
+          <p:cNvPr id="27" name="Text Placeholder 12">
+            <a:extLst>
+              <a:ext uri="{FF2B5EF4-FFF2-40B4-BE49-F238E27FC236}">
+                <a16:creationId xmlns:a16="http://schemas.microsoft.com/office/drawing/2014/main" id="{57CACAF5-0C5A-0E46-B9FD-7C5DD35A0103}"/>
+              </a:ext>
+            </a:extLst>
+          </p:cNvPr>
+          <p:cNvSpPr txBox="1">
+            <a:spLocks/>
+          </p:cNvSpPr>
+          <p:nvPr/>
+        </p:nvSpPr>
+        <p:spPr>
+          <a:xfrm>
+            <a:off x="7055291" y="4576344"/>
+            <a:ext cx="3047999" cy="601662"/>
+          </a:xfrm>
+          <a:prstGeom prst="rect">
+            <a:avLst/>
+          </a:prstGeom>
+        </p:spPr>
+        <p:txBody>
+          <a:bodyPr vert="horz" lIns="91440" tIns="45720" rIns="91440" bIns="45720" rtlCol="0">
+            <a:noAutofit/>
+          </a:bodyPr>
+          <a:lstStyle>
+            <a:lvl1pPr marL="0" indent="0" algn="ctr" defTabSz="914400" rtl="0" eaLnBrk="1" latinLnBrk="0" hangingPunct="1">
+              <a:lnSpc>
+                <a:spcPct val="90000"/>
+              </a:lnSpc>
+              <a:spcBef>
+                <a:spcPts val="1000"/>
+              </a:spcBef>
+              <a:buFont typeface="Arial" panose="020B0604020202020204" pitchFamily="34" charset="0"/>
+              <a:buNone/>
+              <a:defRPr sz="1100" kern="1200">
+                <a:solidFill>
+                  <a:schemeClr val="tx1"/>
+                </a:solidFill>
+                <a:latin typeface="+mn-lt"/>
+                <a:ea typeface="+mn-ea"/>
+                <a:cs typeface="+mn-cs"/>
+              </a:defRPr>
+            </a:lvl1pPr>
+            <a:lvl2pPr marL="457200" indent="0" algn="l" defTabSz="914400" rtl="0" eaLnBrk="1" latinLnBrk="0" hangingPunct="1">
+              <a:lnSpc>
+                <a:spcPct val="90000"/>
+              </a:lnSpc>
+              <a:spcBef>
+                <a:spcPts val="500"/>
+              </a:spcBef>
+              <a:buFont typeface="Arial" panose="020B0604020202020204" pitchFamily="34" charset="0"/>
+              <a:buNone/>
+              <a:defRPr sz="1100" kern="1200">
+                <a:solidFill>
+                  <a:schemeClr val="tx1"/>
+                </a:solidFill>
+                <a:latin typeface="+mn-lt"/>
+                <a:ea typeface="+mn-ea"/>
+                <a:cs typeface="+mn-cs"/>
+              </a:defRPr>
+            </a:lvl2pPr>
+            <a:lvl3pPr marL="914400" indent="0" algn="l" defTabSz="914400" rtl="0" eaLnBrk="1" latinLnBrk="0" hangingPunct="1">
+              <a:lnSpc>
+                <a:spcPct val="90000"/>
+              </a:lnSpc>
+              <a:spcBef>
+                <a:spcPts val="500"/>
+              </a:spcBef>
+              <a:buFont typeface="Arial" panose="020B0604020202020204" pitchFamily="34" charset="0"/>
+              <a:buNone/>
+              <a:defRPr sz="1100" kern="1200">
+                <a:solidFill>
+                  <a:schemeClr val="tx1"/>
+                </a:solidFill>
+                <a:latin typeface="+mn-lt"/>
+                <a:ea typeface="+mn-ea"/>
+                <a:cs typeface="+mn-cs"/>
+              </a:defRPr>
+            </a:lvl3pPr>
+            <a:lvl4pPr marL="1371600" indent="0" algn="l" defTabSz="914400" rtl="0" eaLnBrk="1" latinLnBrk="0" hangingPunct="1">
+              <a:lnSpc>
+                <a:spcPct val="90000"/>
+              </a:lnSpc>
+              <a:spcBef>
+                <a:spcPts val="500"/>
+              </a:spcBef>
+              <a:buFont typeface="Arial" panose="020B0604020202020204" pitchFamily="34" charset="0"/>
+              <a:buNone/>
+              <a:defRPr sz="1100" kern="1200">
+                <a:solidFill>
+                  <a:schemeClr val="tx1"/>
+                </a:solidFill>
+                <a:latin typeface="+mn-lt"/>
+                <a:ea typeface="+mn-ea"/>
+                <a:cs typeface="+mn-cs"/>
+              </a:defRPr>
+            </a:lvl4pPr>
+            <a:lvl5pPr marL="1828800" indent="0" algn="l" defTabSz="914400" rtl="0" eaLnBrk="1" latinLnBrk="0" hangingPunct="1">
+              <a:lnSpc>
+                <a:spcPct val="90000"/>
+              </a:lnSpc>
+              <a:spcBef>
+                <a:spcPts val="500"/>
+              </a:spcBef>
+              <a:buFont typeface="Arial" panose="020B0604020202020204" pitchFamily="34" charset="0"/>
+              <a:buNone/>
+              <a:defRPr sz="1100" kern="1200">
+                <a:solidFill>
+                  <a:schemeClr val="tx1"/>
+                </a:solidFill>
+                <a:latin typeface="+mn-lt"/>
+                <a:ea typeface="+mn-ea"/>
+                <a:cs typeface="+mn-cs"/>
+              </a:defRPr>
+            </a:lvl5pPr>
+            <a:lvl6pPr marL="2514600" indent="-228600" algn="l" defTabSz="914400" rtl="0" eaLnBrk="1" latinLnBrk="0" hangingPunct="1">
+              <a:lnSpc>
+                <a:spcPct val="90000"/>
+              </a:lnSpc>
+              <a:spcBef>
+                <a:spcPts val="500"/>
+              </a:spcBef>
+              <a:buFont typeface="Arial" panose="020B0604020202020204" pitchFamily="34" charset="0"/>
+              <a:buChar char="•"/>
+              <a:defRPr sz="1800" kern="1200">
+                <a:solidFill>
+                  <a:schemeClr val="tx1"/>
+                </a:solidFill>
+                <a:latin typeface="+mn-lt"/>
+                <a:ea typeface="+mn-ea"/>
+                <a:cs typeface="+mn-cs"/>
+              </a:defRPr>
+            </a:lvl6pPr>
+            <a:lvl7pPr marL="2971800" indent="-228600" algn="l" defTabSz="914400" rtl="0" eaLnBrk="1" latinLnBrk="0" hangingPunct="1">
+              <a:lnSpc>
+                <a:spcPct val="90000"/>
+              </a:lnSpc>
+              <a:spcBef>
+                <a:spcPts val="500"/>
+              </a:spcBef>
+              <a:buFont typeface="Arial" panose="020B0604020202020204" pitchFamily="34" charset="0"/>
+              <a:buChar char="•"/>
+              <a:defRPr sz="1800" kern="1200">
+                <a:solidFill>
+                  <a:schemeClr val="tx1"/>
+                </a:solidFill>
+                <a:latin typeface="+mn-lt"/>
+                <a:ea typeface="+mn-ea"/>
+                <a:cs typeface="+mn-cs"/>
+              </a:defRPr>
+            </a:lvl7pPr>
+            <a:lvl8pPr marL="3429000" indent="-228600" algn="l" defTabSz="914400" rtl="0" eaLnBrk="1" latinLnBrk="0" hangingPunct="1">
+              <a:lnSpc>
+                <a:spcPct val="90000"/>
+              </a:lnSpc>
+              <a:spcBef>
+                <a:spcPts val="500"/>
+              </a:spcBef>
+              <a:buFont typeface="Arial" panose="020B0604020202020204" pitchFamily="34" charset="0"/>
+              <a:buChar char="•"/>
+              <a:defRPr sz="1800" kern="1200">
+                <a:solidFill>
+                  <a:schemeClr val="tx1"/>
+                </a:solidFill>
+                <a:latin typeface="+mn-lt"/>
+                <a:ea typeface="+mn-ea"/>
+                <a:cs typeface="+mn-cs"/>
+              </a:defRPr>
+            </a:lvl8pPr>
+            <a:lvl9pPr marL="3886200" indent="-228600" algn="l" defTabSz="914400" rtl="0" eaLnBrk="1" latinLnBrk="0" hangingPunct="1">
+              <a:lnSpc>
+                <a:spcPct val="90000"/>
+              </a:lnSpc>
+              <a:spcBef>
+                <a:spcPts val="500"/>
+              </a:spcBef>
+              <a:buFont typeface="Arial" panose="020B0604020202020204" pitchFamily="34" charset="0"/>
+              <a:buChar char="•"/>
+              <a:defRPr sz="1800" kern="1200">
+                <a:solidFill>
+                  <a:schemeClr val="tx1"/>
+                </a:solidFill>
+                <a:latin typeface="+mn-lt"/>
+                <a:ea typeface="+mn-ea"/>
+                <a:cs typeface="+mn-cs"/>
+              </a:defRPr>
+            </a:lvl9pPr>
+          </a:lstStyle>
+          <a:p>
+            <a:r>
+              <a:rPr lang="sv-SE" sz="1800" dirty="0"/>
+              <a:t>Ransundets blir den sista byn i Härjedalen att elektrifieras.</a:t>
+            </a:r>
+            <a:endParaRPr lang="en-US" dirty="0"/>
+          </a:p>
+        </p:txBody>
+      </p:sp>
+      <p:sp>
+        <p:nvSpPr>
+          <p:cNvPr id="28" name="Text Placeholder 19">
+            <a:extLst>
+              <a:ext uri="{FF2B5EF4-FFF2-40B4-BE49-F238E27FC236}">
+                <a16:creationId xmlns:a16="http://schemas.microsoft.com/office/drawing/2014/main" id="{BA863826-77C1-E147-98AF-62EDD953550C}"/>
+              </a:ext>
+            </a:extLst>
+          </p:cNvPr>
+          <p:cNvSpPr txBox="1">
+            <a:spLocks/>
+          </p:cNvSpPr>
+          <p:nvPr/>
+        </p:nvSpPr>
+        <p:spPr>
+          <a:xfrm>
+            <a:off x="7287864" y="4003041"/>
+            <a:ext cx="2585943" cy="369311"/>
+          </a:xfrm>
+          <a:prstGeom prst="rect">
+            <a:avLst/>
+          </a:prstGeom>
+        </p:spPr>
+        <p:txBody>
+          <a:bodyPr vert="horz" lIns="91440" tIns="45720" rIns="91440" bIns="45720" rtlCol="0" anchor="t">
+            <a:noAutofit/>
+          </a:bodyPr>
+          <a:lstStyle>
+            <a:lvl1pPr marL="0" indent="0" algn="ctr" defTabSz="914400" rtl="0" eaLnBrk="1" latinLnBrk="0" hangingPunct="1">
+              <a:lnSpc>
+                <a:spcPct val="100000"/>
+              </a:lnSpc>
+              <a:spcBef>
+                <a:spcPts val="0"/>
+              </a:spcBef>
+              <a:buFont typeface="Arial" panose="020B0604020202020204" pitchFamily="34" charset="0"/>
+              <a:buNone/>
+              <a:defRPr sz="1800" b="1" kern="1200">
+                <a:solidFill>
+                  <a:schemeClr val="tx1"/>
+                </a:solidFill>
+                <a:latin typeface="+mj-lt"/>
+                <a:ea typeface="+mn-ea"/>
+                <a:cs typeface="+mn-cs"/>
+              </a:defRPr>
+            </a:lvl1pPr>
+            <a:lvl2pPr marL="457200" indent="0" algn="l" defTabSz="914400" rtl="0" eaLnBrk="1" latinLnBrk="0" hangingPunct="1">
+              <a:lnSpc>
+                <a:spcPct val="90000"/>
+              </a:lnSpc>
+              <a:spcBef>
+                <a:spcPts val="500"/>
+              </a:spcBef>
+              <a:buFont typeface="Arial" panose="020B0604020202020204" pitchFamily="34" charset="0"/>
+              <a:buNone/>
+              <a:defRPr sz="1800" kern="1200">
+                <a:solidFill>
+                  <a:schemeClr val="tx1"/>
+                </a:solidFill>
+                <a:latin typeface="+mn-lt"/>
+                <a:ea typeface="+mn-ea"/>
+                <a:cs typeface="+mn-cs"/>
+              </a:defRPr>
+            </a:lvl2pPr>
+            <a:lvl3pPr marL="914400" indent="0" algn="l" defTabSz="914400" rtl="0" eaLnBrk="1" latinLnBrk="0" hangingPunct="1">
+              <a:lnSpc>
+                <a:spcPct val="90000"/>
+              </a:lnSpc>
+              <a:spcBef>
+                <a:spcPts val="500"/>
+              </a:spcBef>
+              <a:buFont typeface="Arial" panose="020B0604020202020204" pitchFamily="34" charset="0"/>
+              <a:buNone/>
+              <a:defRPr sz="1800" kern="1200">
+                <a:solidFill>
+                  <a:schemeClr val="tx1"/>
+                </a:solidFill>
+                <a:latin typeface="+mn-lt"/>
+                <a:ea typeface="+mn-ea"/>
+                <a:cs typeface="+mn-cs"/>
+              </a:defRPr>
+            </a:lvl3pPr>
+            <a:lvl4pPr marL="1371600" indent="0" algn="l" defTabSz="914400" rtl="0" eaLnBrk="1" latinLnBrk="0" hangingPunct="1">
+              <a:lnSpc>
+                <a:spcPct val="90000"/>
+              </a:lnSpc>
+              <a:spcBef>
+                <a:spcPts val="500"/>
+              </a:spcBef>
+              <a:buFont typeface="Arial" panose="020B0604020202020204" pitchFamily="34" charset="0"/>
+              <a:buNone/>
+              <a:defRPr sz="1800" kern="1200">
+                <a:solidFill>
+                  <a:schemeClr val="tx1"/>
+                </a:solidFill>
+                <a:latin typeface="+mn-lt"/>
+                <a:ea typeface="+mn-ea"/>
+                <a:cs typeface="+mn-cs"/>
+              </a:defRPr>
+            </a:lvl4pPr>
+            <a:lvl5pPr marL="1828800" indent="0" algn="l" defTabSz="914400" rtl="0" eaLnBrk="1" latinLnBrk="0" hangingPunct="1">
+              <a:lnSpc>
+                <a:spcPct val="90000"/>
+              </a:lnSpc>
+              <a:spcBef>
+                <a:spcPts val="500"/>
+              </a:spcBef>
+              <a:buFont typeface="Arial" panose="020B0604020202020204" pitchFamily="34" charset="0"/>
+              <a:buNone/>
+              <a:defRPr sz="1800" kern="1200">
+                <a:solidFill>
+                  <a:schemeClr val="tx1"/>
+                </a:solidFill>
+                <a:latin typeface="+mn-lt"/>
+                <a:ea typeface="+mn-ea"/>
+                <a:cs typeface="+mn-cs"/>
+              </a:defRPr>
+            </a:lvl5pPr>
+            <a:lvl6pPr marL="2514600" indent="-228600" algn="l" defTabSz="914400" rtl="0" eaLnBrk="1" latinLnBrk="0" hangingPunct="1">
+              <a:lnSpc>
+                <a:spcPct val="90000"/>
+              </a:lnSpc>
+              <a:spcBef>
+                <a:spcPts val="500"/>
+              </a:spcBef>
+              <a:buFont typeface="Arial" panose="020B0604020202020204" pitchFamily="34" charset="0"/>
+              <a:buChar char="•"/>
+              <a:defRPr sz="1800" kern="1200">
+                <a:solidFill>
+                  <a:schemeClr val="tx1"/>
+                </a:solidFill>
+                <a:latin typeface="+mn-lt"/>
+                <a:ea typeface="+mn-ea"/>
+                <a:cs typeface="+mn-cs"/>
+              </a:defRPr>
+            </a:lvl6pPr>
+            <a:lvl7pPr marL="2971800" indent="-228600" algn="l" defTabSz="914400" rtl="0" eaLnBrk="1" latinLnBrk="0" hangingPunct="1">
+              <a:lnSpc>
+                <a:spcPct val="90000"/>
+              </a:lnSpc>
+              <a:spcBef>
+                <a:spcPts val="500"/>
+              </a:spcBef>
+              <a:buFont typeface="Arial" panose="020B0604020202020204" pitchFamily="34" charset="0"/>
+              <a:buChar char="•"/>
+              <a:defRPr sz="1800" kern="1200">
+                <a:solidFill>
+                  <a:schemeClr val="tx1"/>
+                </a:solidFill>
+                <a:latin typeface="+mn-lt"/>
+                <a:ea typeface="+mn-ea"/>
+                <a:cs typeface="+mn-cs"/>
+              </a:defRPr>
+            </a:lvl7pPr>
+            <a:lvl8pPr marL="3429000" indent="-228600" algn="l" defTabSz="914400" rtl="0" eaLnBrk="1" latinLnBrk="0" hangingPunct="1">
+              <a:lnSpc>
+                <a:spcPct val="90000"/>
+              </a:lnSpc>
+              <a:spcBef>
+                <a:spcPts val="500"/>
+              </a:spcBef>
+              <a:buFont typeface="Arial" panose="020B0604020202020204" pitchFamily="34" charset="0"/>
+              <a:buChar char="•"/>
+              <a:defRPr sz="1800" kern="1200">
+                <a:solidFill>
+                  <a:schemeClr val="tx1"/>
+                </a:solidFill>
+                <a:latin typeface="+mn-lt"/>
+                <a:ea typeface="+mn-ea"/>
+                <a:cs typeface="+mn-cs"/>
+              </a:defRPr>
+            </a:lvl8pPr>
+            <a:lvl9pPr marL="3886200" indent="-228600" algn="l" defTabSz="914400" rtl="0" eaLnBrk="1" latinLnBrk="0" hangingPunct="1">
+              <a:lnSpc>
+                <a:spcPct val="90000"/>
+              </a:lnSpc>
+              <a:spcBef>
+                <a:spcPts val="500"/>
+              </a:spcBef>
+              <a:buFont typeface="Arial" panose="020B0604020202020204" pitchFamily="34" charset="0"/>
+              <a:buChar char="•"/>
+              <a:defRPr sz="1800" kern="1200">
+                <a:solidFill>
+                  <a:schemeClr val="tx1"/>
+                </a:solidFill>
+                <a:latin typeface="+mn-lt"/>
+                <a:ea typeface="+mn-ea"/>
+                <a:cs typeface="+mn-cs"/>
+              </a:defRPr>
+            </a:lvl9pPr>
+          </a:lstStyle>
+          <a:p>
+            <a:r>
+              <a:rPr lang="en-US" sz="3200" dirty="0"/>
+              <a:t>1972</a:t>
             </a:r>
           </a:p>
         </p:txBody>
@@ -6424,6 +6997,24 @@
 </file>
 
 <file path=customXml/item1.xml><?xml version="1.0" encoding="utf-8"?>
+<p:properties xmlns:p="http://schemas.microsoft.com/office/2006/metadata/properties" xmlns:xsi="http://www.w3.org/2001/XMLSchema-instance" xmlns:pc="http://schemas.microsoft.com/office/infopath/2007/PartnerControls">
+  <documentManagement>
+    <Status xmlns="71af3243-3dd4-4a8d-8c0d-dd76da1f02a5">Not started</Status>
+    <MediaServiceKeyPoints xmlns="71af3243-3dd4-4a8d-8c0d-dd76da1f02a5" xsi:nil="true"/>
+  </documentManagement>
+</p:properties>
+</file>
+
+<file path=customXml/item2.xml><?xml version="1.0" encoding="utf-8"?>
+<?mso-contentType ?>
+<FormTemplates xmlns="http://schemas.microsoft.com/sharepoint/v3/contenttype/forms">
+  <Display>DocumentLibraryForm</Display>
+  <Edit>DocumentLibraryForm</Edit>
+  <New>DocumentLibraryForm</New>
+</FormTemplates>
+</file>
+
+<file path=customXml/item3.xml><?xml version="1.0" encoding="utf-8"?>
 <ct:contentTypeSchema xmlns:ct="http://schemas.microsoft.com/office/2006/metadata/contentType" xmlns:ma="http://schemas.microsoft.com/office/2006/metadata/properties/metaAttributes" ct:_="" ma:_="" ma:contentTypeName="Document" ma:contentTypeID="0x01010079F111ED35F8CC479449609E8A0923A6" ma:contentTypeVersion="12" ma:contentTypeDescription="Create a new document." ma:contentTypeScope="" ma:versionID="426e97fa315356fffbdcd9876fe988c2">
   <xsd:schema xmlns:xsd="http://www.w3.org/2001/XMLSchema" xmlns:xs="http://www.w3.org/2001/XMLSchema" xmlns:p="http://schemas.microsoft.com/office/2006/metadata/properties" xmlns:ns2="71af3243-3dd4-4a8d-8c0d-dd76da1f02a5" xmlns:ns3="16c05727-aa75-4e4a-9b5f-8a80a1165891" targetNamespace="http://schemas.microsoft.com/office/2006/metadata/properties" ma:root="true" ma:fieldsID="14b8f0def80e6d70ce3def20c90759ae" ns2:_="" ns3:_="">
     <xsd:import namespace="71af3243-3dd4-4a8d-8c0d-dd76da1f02a5"/>
@@ -6644,25 +7235,25 @@
 </ct:contentTypeSchema>
 </file>
 
-<file path=customXml/item2.xml><?xml version="1.0" encoding="utf-8"?>
-<?mso-contentType ?>
-<FormTemplates xmlns="http://schemas.microsoft.com/sharepoint/v3/contenttype/forms">
-  <Display>DocumentLibraryForm</Display>
-  <Edit>DocumentLibraryForm</Edit>
-  <New>DocumentLibraryForm</New>
-</FormTemplates>
+<file path=customXml/itemProps1.xml><?xml version="1.0" encoding="utf-8"?>
+<ds:datastoreItem xmlns:ds="http://schemas.openxmlformats.org/officeDocument/2006/customXml" ds:itemID="{99049FB4-E04C-4A47-A7EB-D9A7EE3720B6}">
+  <ds:schemaRefs>
+    <ds:schemaRef ds:uri="http://schemas.microsoft.com/office/2006/metadata/properties"/>
+    <ds:schemaRef ds:uri="http://schemas.microsoft.com/office/infopath/2007/PartnerControls"/>
+    <ds:schemaRef ds:uri="71af3243-3dd4-4a8d-8c0d-dd76da1f02a5"/>
+  </ds:schemaRefs>
+</ds:datastoreItem>
 </file>
 
-<file path=customXml/item3.xml><?xml version="1.0" encoding="utf-8"?>
-<p:properties xmlns:p="http://schemas.microsoft.com/office/2006/metadata/properties" xmlns:xsi="http://www.w3.org/2001/XMLSchema-instance" xmlns:pc="http://schemas.microsoft.com/office/infopath/2007/PartnerControls">
-  <documentManagement>
-    <Status xmlns="71af3243-3dd4-4a8d-8c0d-dd76da1f02a5">Not started</Status>
-    <MediaServiceKeyPoints xmlns="71af3243-3dd4-4a8d-8c0d-dd76da1f02a5" xsi:nil="true"/>
-  </documentManagement>
-</p:properties>
+<file path=customXml/itemProps2.xml><?xml version="1.0" encoding="utf-8"?>
+<ds:datastoreItem xmlns:ds="http://schemas.openxmlformats.org/officeDocument/2006/customXml" ds:itemID="{F099EBB6-D1EF-4345-A0D5-56C8432B26EA}">
+  <ds:schemaRefs>
+    <ds:schemaRef ds:uri="http://schemas.microsoft.com/sharepoint/v3/contenttype/forms"/>
+  </ds:schemaRefs>
+</ds:datastoreItem>
 </file>
 
-<file path=customXml/itemProps1.xml><?xml version="1.0" encoding="utf-8"?>
+<file path=customXml/itemProps3.xml><?xml version="1.0" encoding="utf-8"?>
 <ds:datastoreItem xmlns:ds="http://schemas.openxmlformats.org/officeDocument/2006/customXml" ds:itemID="{AE7F63A3-93DF-4331-8C04-BB726C702AF2}">
   <ds:schemaRefs>
     <ds:schemaRef ds:uri="http://schemas.microsoft.com/office/2006/metadata/contentType"/>
@@ -6679,22 +7270,4 @@
     <ds:schemaRef ds:uri="http://schemas.microsoft.com/internal/obd"/>
   </ds:schemaRefs>
 </ds:datastoreItem>
-</file>
-
-<file path=customXml/itemProps2.xml><?xml version="1.0" encoding="utf-8"?>
-<ds:datastoreItem xmlns:ds="http://schemas.openxmlformats.org/officeDocument/2006/customXml" ds:itemID="{F099EBB6-D1EF-4345-A0D5-56C8432B26EA}">
-  <ds:schemaRefs>
-    <ds:schemaRef ds:uri="http://schemas.microsoft.com/sharepoint/v3/contenttype/forms"/>
-  </ds:schemaRefs>
-</ds:datastoreItem>
-</file>
-
-<file path=customXml/itemProps3.xml><?xml version="1.0" encoding="utf-8"?>
-<ds:datastoreItem xmlns:ds="http://schemas.openxmlformats.org/officeDocument/2006/customXml" ds:itemID="{99049FB4-E04C-4A47-A7EB-D9A7EE3720B6}">
-  <ds:schemaRefs>
-    <ds:schemaRef ds:uri="http://schemas.microsoft.com/office/2006/metadata/properties"/>
-    <ds:schemaRef ds:uri="http://schemas.microsoft.com/office/infopath/2007/PartnerControls"/>
-    <ds:schemaRef ds:uri="71af3243-3dd4-4a8d-8c0d-dd76da1f02a5"/>
-  </ds:schemaRefs>
-</ds:datastoreItem>
 </file>